--- a/rvstore_hackathon/Docker-RV Store Hackathon.pptx
+++ b/rvstore_hackathon/Docker-RV Store Hackathon.pptx
@@ -210,7 +210,7 @@
           <a:p>
             <a:fld id="{52C7B5E8-5650-4264-A661-2CC42BB409CD}" type="datetimeFigureOut">
               <a:rPr lang="en-US" smtClean="0"/>
-              <a:t>3/30/21</a:t>
+              <a:t>4/2/21</a:t>
             </a:fld>
             <a:endParaRPr lang="en-US"/>
           </a:p>
@@ -2553,7 +2553,7 @@
         <p:spPr>
           <a:xfrm>
             <a:off x="1311897" y="1168924"/>
-            <a:ext cx="9398524" cy="6093976"/>
+            <a:ext cx="9398524" cy="5663089"/>
           </a:xfrm>
           <a:prstGeom prst="rect">
             <a:avLst/>
@@ -2593,21 +2593,6 @@
                 <a:latin typeface="Raleway Medium" panose="020B0603030101060003" pitchFamily="34" charset="77"/>
               </a:rPr>
               <a:t>The application serves at port 9002</a:t>
-            </a:r>
-          </a:p>
-          <a:p>
-            <a:pPr marL="342900" indent="-342900">
-              <a:buFont typeface="Arial" panose="020B0604020202020204" pitchFamily="34" charset="0"/>
-              <a:buChar char="•"/>
-            </a:pPr>
-            <a:r>
-              <a:rPr lang="en-US" sz="2400" dirty="0">
-                <a:solidFill>
-                  <a:schemeClr val="bg1"/>
-                </a:solidFill>
-                <a:latin typeface="Raleway Medium" panose="020B0603030101060003" pitchFamily="34" charset="77"/>
-              </a:rPr>
-              <a:t>The application should only be accessible inside the cluster</a:t>
             </a:r>
           </a:p>
           <a:p>
@@ -3798,7 +3783,7 @@
         <p:spPr>
           <a:xfrm>
             <a:off x="1311897" y="1168924"/>
-            <a:ext cx="9398524" cy="6401753"/>
+            <a:ext cx="9398524" cy="5755422"/>
           </a:xfrm>
           <a:prstGeom prst="rect">
             <a:avLst/>
@@ -3856,21 +3841,6 @@
                 <a:latin typeface="Raleway Medium" panose="020B0603030101060003" pitchFamily="34" charset="77"/>
               </a:rPr>
               <a:t>Runs on port 9000</a:t>
-            </a:r>
-          </a:p>
-          <a:p>
-            <a:pPr marL="342900" indent="-342900">
-              <a:buFont typeface="Arial" panose="020B0604020202020204" pitchFamily="34" charset="0"/>
-              <a:buChar char="•"/>
-            </a:pPr>
-            <a:r>
-              <a:rPr lang="en-US" sz="2000" dirty="0">
-                <a:solidFill>
-                  <a:schemeClr val="bg1"/>
-                </a:solidFill>
-                <a:latin typeface="Raleway Medium" panose="020B0603030101060003" pitchFamily="34" charset="77"/>
-              </a:rPr>
-              <a:t>Application should be publicly accessible as the only endpoint for the backend API</a:t>
             </a:r>
           </a:p>
           <a:p>
@@ -4464,7 +4434,7 @@
         <p:spPr>
           <a:xfrm>
             <a:off x="1311897" y="1168924"/>
-            <a:ext cx="9398524" cy="5078313"/>
+            <a:ext cx="9398524" cy="4708981"/>
           </a:xfrm>
           <a:prstGeom prst="rect">
             <a:avLst/>
@@ -4555,21 +4525,6 @@
                 <a:latin typeface="Raleway Medium" panose="020B0603030101060003" pitchFamily="34" charset="77"/>
               </a:rPr>
               <a:t>Runs on port 27017</a:t>
-            </a:r>
-          </a:p>
-          <a:p>
-            <a:pPr marL="342900" indent="-342900">
-              <a:buFont typeface="Arial" panose="020B0604020202020204" pitchFamily="34" charset="0"/>
-              <a:buChar char="•"/>
-            </a:pPr>
-            <a:r>
-              <a:rPr lang="en-US" sz="2400" dirty="0">
-                <a:solidFill>
-                  <a:schemeClr val="bg1"/>
-                </a:solidFill>
-                <a:latin typeface="Raleway Medium" panose="020B0603030101060003" pitchFamily="34" charset="77"/>
-              </a:rPr>
-              <a:t>Should be accessible only within the cluster </a:t>
             </a:r>
           </a:p>
           <a:p>
@@ -8181,7 +8136,7 @@
         <p:spPr>
           <a:xfrm>
             <a:off x="1311897" y="1168924"/>
-            <a:ext cx="9398524" cy="4801314"/>
+            <a:ext cx="9398524" cy="4431983"/>
           </a:xfrm>
           <a:prstGeom prst="rect">
             <a:avLst/>
@@ -8221,21 +8176,6 @@
                 <a:latin typeface="Raleway Medium" panose="020B0603030101060003" pitchFamily="34" charset="77"/>
               </a:rPr>
               <a:t>The application serves at port 9001</a:t>
-            </a:r>
-          </a:p>
-          <a:p>
-            <a:pPr marL="342900" indent="-342900">
-              <a:buFont typeface="Arial" panose="020B0604020202020204" pitchFamily="34" charset="0"/>
-              <a:buChar char="•"/>
-            </a:pPr>
-            <a:r>
-              <a:rPr lang="en-US" sz="2400" dirty="0">
-                <a:solidFill>
-                  <a:schemeClr val="bg1"/>
-                </a:solidFill>
-                <a:latin typeface="Raleway Medium" panose="020B0603030101060003" pitchFamily="34" charset="77"/>
-              </a:rPr>
-              <a:t>The application should only be accessible inside the cluster</a:t>
             </a:r>
           </a:p>
           <a:p>
@@ -8795,7 +8735,7 @@
         <p:spPr>
           <a:xfrm>
             <a:off x="1311897" y="1168924"/>
-            <a:ext cx="9398524" cy="4801314"/>
+            <a:ext cx="9398524" cy="4431983"/>
           </a:xfrm>
           <a:prstGeom prst="rect">
             <a:avLst/>
@@ -8835,21 +8775,6 @@
                 <a:latin typeface="Raleway Medium" panose="020B0603030101060003" pitchFamily="34" charset="77"/>
               </a:rPr>
               <a:t>The application serves at port 9003</a:t>
-            </a:r>
-          </a:p>
-          <a:p>
-            <a:pPr marL="342900" indent="-342900">
-              <a:buFont typeface="Arial" panose="020B0604020202020204" pitchFamily="34" charset="0"/>
-              <a:buChar char="•"/>
-            </a:pPr>
-            <a:r>
-              <a:rPr lang="en-US" sz="2400" dirty="0">
-                <a:solidFill>
-                  <a:schemeClr val="bg1"/>
-                </a:solidFill>
-                <a:latin typeface="Raleway Medium" panose="020B0603030101060003" pitchFamily="34" charset="77"/>
-              </a:rPr>
-              <a:t>The application should only be accessible inside the cluster</a:t>
             </a:r>
           </a:p>
           <a:p>

--- a/rvstore_hackathon/Docker-RV Store Hackathon.pptx
+++ b/rvstore_hackathon/Docker-RV Store Hackathon.pptx
@@ -6,7 +6,7 @@
     <p:sldMasterId id="2147483666" r:id="rId2"/>
   </p:sldMasterIdLst>
   <p:notesMasterIdLst>
-    <p:notesMasterId r:id="rId16"/>
+    <p:notesMasterId r:id="rId18"/>
   </p:notesMasterIdLst>
   <p:sldIdLst>
     <p:sldId id="453" r:id="rId3"/>
@@ -21,7 +21,9 @@
     <p:sldId id="809" r:id="rId12"/>
     <p:sldId id="810" r:id="rId13"/>
     <p:sldId id="811" r:id="rId14"/>
-    <p:sldId id="812" r:id="rId15"/>
+    <p:sldId id="818" r:id="rId15"/>
+    <p:sldId id="817" r:id="rId16"/>
+    <p:sldId id="812" r:id="rId17"/>
   </p:sldIdLst>
   <p:sldSz cx="12192000" cy="6858000"/>
   <p:notesSz cx="6858000" cy="9144000"/>
@@ -210,7 +212,7 @@
           <a:p>
             <a:fld id="{52C7B5E8-5650-4264-A661-2CC42BB409CD}" type="datetimeFigureOut">
               <a:rPr lang="en-US" smtClean="0"/>
-              <a:t>4/2/21</a:t>
+              <a:t>5/5/21</a:t>
             </a:fld>
             <a:endParaRPr lang="en-US"/>
           </a:p>
@@ -2673,7 +2675,25 @@
                 </a:solidFill>
                 <a:latin typeface="Raleway Medium" panose="020B0603030101060003" pitchFamily="34" charset="77"/>
               </a:rPr>
-              <a:t>/e7e6w2e3/</a:t>
+              <a:t>/</a:t>
+            </a:r>
+            <a:r>
+              <a:rPr lang="en-US" sz="2400" dirty="0" err="1">
+                <a:solidFill>
+                  <a:schemeClr val="bg1"/>
+                </a:solidFill>
+                <a:latin typeface="Raleway Medium" panose="020B0603030101060003" pitchFamily="34" charset="77"/>
+              </a:rPr>
+              <a:t>vergeops</a:t>
+            </a:r>
+            <a:r>
+              <a:rPr lang="en-US" sz="2400" dirty="0">
+                <a:solidFill>
+                  <a:schemeClr val="bg1"/>
+                </a:solidFill>
+                <a:latin typeface="Raleway Medium" panose="020B0603030101060003" pitchFamily="34" charset="77"/>
+              </a:rPr>
+              <a:t>/</a:t>
             </a:r>
             <a:r>
               <a:rPr lang="en-US" sz="2400" dirty="0" err="1">
@@ -3296,7 +3316,25 @@
                 </a:solidFill>
                 <a:latin typeface="Raleway Medium" panose="020B0603030101060003" pitchFamily="34" charset="77"/>
               </a:rPr>
-              <a:t>/e7e6w2e3/</a:t>
+              <a:t>/</a:t>
+            </a:r>
+            <a:r>
+              <a:rPr lang="en-US" sz="2400" dirty="0" err="1">
+                <a:solidFill>
+                  <a:schemeClr val="bg1"/>
+                </a:solidFill>
+                <a:latin typeface="Raleway Medium" panose="020B0603030101060003" pitchFamily="34" charset="77"/>
+              </a:rPr>
+              <a:t>vergeops</a:t>
+            </a:r>
+            <a:r>
+              <a:rPr lang="en-US" sz="2400" dirty="0">
+                <a:solidFill>
+                  <a:schemeClr val="bg1"/>
+                </a:solidFill>
+                <a:latin typeface="Raleway Medium" panose="020B0603030101060003" pitchFamily="34" charset="77"/>
+              </a:rPr>
+              <a:t>/</a:t>
             </a:r>
             <a:r>
               <a:rPr lang="en-US" sz="2400" dirty="0" err="1">
@@ -3783,7 +3821,7 @@
         <p:spPr>
           <a:xfrm>
             <a:off x="1311897" y="1168924"/>
-            <a:ext cx="9398524" cy="5755422"/>
+            <a:ext cx="9398524" cy="6063198"/>
           </a:xfrm>
           <a:prstGeom prst="rect">
             <a:avLst/>
@@ -3904,6 +3942,21 @@
             </a:r>
           </a:p>
           <a:p>
+            <a:pPr marL="800100" lvl="1" indent="-342900">
+              <a:buFont typeface="Arial" panose="020B0604020202020204" pitchFamily="34" charset="0"/>
+              <a:buChar char="•"/>
+            </a:pPr>
+            <a:r>
+              <a:rPr lang="en-US" sz="2000" dirty="0">
+                <a:solidFill>
+                  <a:schemeClr val="bg1"/>
+                </a:solidFill>
+                <a:latin typeface="Raleway Medium" panose="020B0603030101060003" pitchFamily="34" charset="77"/>
+              </a:rPr>
+              <a:t>Elasticsearch at: http://elasticsearch:9200</a:t>
+            </a:r>
+          </a:p>
+          <a:p>
             <a:pPr marL="342900" indent="-342900">
               <a:buFont typeface="Arial" panose="020B0604020202020204" pitchFamily="34" charset="0"/>
               <a:buChar char="•"/>
@@ -3933,7 +3986,25 @@
                 </a:solidFill>
                 <a:latin typeface="Raleway Medium" panose="020B0603030101060003" pitchFamily="34" charset="77"/>
               </a:rPr>
-              <a:t>/e7e6w2e3/</a:t>
+              <a:t>/</a:t>
+            </a:r>
+            <a:r>
+              <a:rPr lang="en-US" sz="2000" dirty="0" err="1">
+                <a:solidFill>
+                  <a:schemeClr val="bg1"/>
+                </a:solidFill>
+                <a:latin typeface="Raleway Medium" panose="020B0603030101060003" pitchFamily="34" charset="77"/>
+              </a:rPr>
+              <a:t>vergeops</a:t>
+            </a:r>
+            <a:r>
+              <a:rPr lang="en-US" sz="2000" dirty="0">
+                <a:solidFill>
+                  <a:schemeClr val="bg1"/>
+                </a:solidFill>
+                <a:latin typeface="Raleway Medium" panose="020B0603030101060003" pitchFamily="34" charset="77"/>
+              </a:rPr>
+              <a:t>/</a:t>
             </a:r>
             <a:r>
               <a:rPr lang="en-US" sz="2000" dirty="0" err="1">
@@ -4262,6 +4333,1155 @@
 </file>
 
 <file path=ppt/slides/slide13.xml><?xml version="1.0" encoding="utf-8"?>
+<p:sld xmlns:a="http://schemas.openxmlformats.org/drawingml/2006/main" xmlns:r="http://schemas.openxmlformats.org/officeDocument/2006/relationships" xmlns:p="http://schemas.openxmlformats.org/presentationml/2006/main">
+  <p:cSld>
+    <p:spTree>
+      <p:nvGrpSpPr>
+        <p:cNvPr id="1" name=""/>
+        <p:cNvGrpSpPr/>
+        <p:nvPr/>
+      </p:nvGrpSpPr>
+      <p:grpSpPr>
+        <a:xfrm>
+          <a:off x="0" y="0"/>
+          <a:ext cx="0" cy="0"/>
+          <a:chOff x="0" y="0"/>
+          <a:chExt cx="0" cy="0"/>
+        </a:xfrm>
+      </p:grpSpPr>
+      <p:pic>
+        <p:nvPicPr>
+          <p:cNvPr id="20" name="Picture 19" descr="https://images.unsplash.com/reserve/NV0eHnNkQDHA21GC3BAJ_Paris%20Louvr.jpg?ixlib=rb-0.3.5&amp;q=80&amp;fm=jpg&amp;w=1080&amp;fit=max&amp;s=4c69a58895596b711a6d5b59a53b1dc5"/>
+          <p:cNvPicPr>
+            <a:picLocks noChangeAspect="1" noChangeArrowheads="1"/>
+          </p:cNvPicPr>
+          <p:nvPr/>
+        </p:nvPicPr>
+        <p:blipFill>
+          <a:blip r:embed="rId2">
+            <a:duotone>
+              <a:prstClr val="black"/>
+              <a:schemeClr val="accent1">
+                <a:tint val="45000"/>
+                <a:satMod val="400000"/>
+              </a:schemeClr>
+            </a:duotone>
+            <a:extLst>
+              <a:ext uri="{28A0092B-C50C-407E-A947-70E740481C1C}">
+                <a14:useLocalDpi xmlns:a14="http://schemas.microsoft.com/office/drawing/2010/main" val="0"/>
+              </a:ext>
+            </a:extLst>
+          </a:blip>
+          <a:srcRect l="127" b="15625"/>
+          <a:stretch>
+            <a:fillRect/>
+          </a:stretch>
+        </p:blipFill>
+        <p:spPr bwMode="auto">
+          <a:xfrm>
+            <a:off x="0" y="7826"/>
+            <a:ext cx="12176562" cy="6858000"/>
+          </a:xfrm>
+          <a:custGeom>
+            <a:avLst/>
+            <a:gdLst>
+              <a:gd name="connsiteX0" fmla="*/ 0 w 12176562"/>
+              <a:gd name="connsiteY0" fmla="*/ 0 h 6858000"/>
+              <a:gd name="connsiteX1" fmla="*/ 12176562 w 12176562"/>
+              <a:gd name="connsiteY1" fmla="*/ 0 h 6858000"/>
+              <a:gd name="connsiteX2" fmla="*/ 12176562 w 12176562"/>
+              <a:gd name="connsiteY2" fmla="*/ 6858000 h 6858000"/>
+              <a:gd name="connsiteX3" fmla="*/ 0 w 12176562"/>
+              <a:gd name="connsiteY3" fmla="*/ 6858000 h 6858000"/>
+            </a:gdLst>
+            <a:ahLst/>
+            <a:cxnLst>
+              <a:cxn ang="0">
+                <a:pos x="connsiteX0" y="connsiteY0"/>
+              </a:cxn>
+              <a:cxn ang="0">
+                <a:pos x="connsiteX1" y="connsiteY1"/>
+              </a:cxn>
+              <a:cxn ang="0">
+                <a:pos x="connsiteX2" y="connsiteY2"/>
+              </a:cxn>
+              <a:cxn ang="0">
+                <a:pos x="connsiteX3" y="connsiteY3"/>
+              </a:cxn>
+            </a:cxnLst>
+            <a:rect l="l" t="t" r="r" b="b"/>
+            <a:pathLst>
+              <a:path w="12176562" h="6858000">
+                <a:moveTo>
+                  <a:pt x="0" y="0"/>
+                </a:moveTo>
+                <a:lnTo>
+                  <a:pt x="12176562" y="0"/>
+                </a:lnTo>
+                <a:lnTo>
+                  <a:pt x="12176562" y="6858000"/>
+                </a:lnTo>
+                <a:lnTo>
+                  <a:pt x="0" y="6858000"/>
+                </a:lnTo>
+                <a:close/>
+              </a:path>
+            </a:pathLst>
+          </a:custGeom>
+          <a:noFill/>
+          <a:extLst>
+            <a:ext uri="{909E8E84-426E-40DD-AFC4-6F175D3DCCD1}">
+              <a14:hiddenFill xmlns:a14="http://schemas.microsoft.com/office/drawing/2010/main">
+                <a:solidFill>
+                  <a:srgbClr val="FFFFFF"/>
+                </a:solidFill>
+              </a14:hiddenFill>
+            </a:ext>
+          </a:extLst>
+        </p:spPr>
+      </p:pic>
+      <p:sp>
+        <p:nvSpPr>
+          <p:cNvPr id="18" name="Rectangle 17"/>
+          <p:cNvSpPr/>
+          <p:nvPr/>
+        </p:nvSpPr>
+        <p:spPr>
+          <a:xfrm>
+            <a:off x="0" y="0"/>
+            <a:ext cx="12192000" cy="6858000"/>
+          </a:xfrm>
+          <a:prstGeom prst="rect">
+            <a:avLst/>
+          </a:prstGeom>
+          <a:solidFill>
+            <a:schemeClr val="tx1">
+              <a:alpha val="55000"/>
+            </a:schemeClr>
+          </a:solidFill>
+          <a:ln>
+            <a:noFill/>
+          </a:ln>
+        </p:spPr>
+        <p:style>
+          <a:lnRef idx="1">
+            <a:schemeClr val="accent1"/>
+          </a:lnRef>
+          <a:fillRef idx="3">
+            <a:schemeClr val="accent1"/>
+          </a:fillRef>
+          <a:effectRef idx="2">
+            <a:schemeClr val="accent1"/>
+          </a:effectRef>
+          <a:fontRef idx="minor">
+            <a:schemeClr val="lt1"/>
+          </a:fontRef>
+        </p:style>
+        <p:txBody>
+          <a:bodyPr rtlCol="0" anchor="ctr"/>
+          <a:lstStyle/>
+          <a:p>
+            <a:pPr algn="ctr" defTabSz="457200"/>
+            <a:endParaRPr lang="en-US" dirty="0">
+              <a:solidFill>
+                <a:prstClr val="white"/>
+              </a:solidFill>
+            </a:endParaRPr>
+          </a:p>
+        </p:txBody>
+      </p:sp>
+      <p:sp>
+        <p:nvSpPr>
+          <p:cNvPr id="4" name="TextBox 3">
+            <a:extLst>
+              <a:ext uri="{FF2B5EF4-FFF2-40B4-BE49-F238E27FC236}">
+                <a16:creationId xmlns:a16="http://schemas.microsoft.com/office/drawing/2014/main" id="{2155A478-4583-2147-AD91-499CD48BC61C}"/>
+              </a:ext>
+            </a:extLst>
+          </p:cNvPr>
+          <p:cNvSpPr txBox="1"/>
+          <p:nvPr/>
+        </p:nvSpPr>
+        <p:spPr>
+          <a:xfrm>
+            <a:off x="1311897" y="1168924"/>
+            <a:ext cx="9398524" cy="4401205"/>
+          </a:xfrm>
+          <a:prstGeom prst="rect">
+            <a:avLst/>
+          </a:prstGeom>
+          <a:noFill/>
+        </p:spPr>
+        <p:txBody>
+          <a:bodyPr wrap="square" rtlCol="0">
+            <a:spAutoFit/>
+          </a:bodyPr>
+          <a:lstStyle/>
+          <a:p>
+            <a:pPr marL="342900" indent="-342900">
+              <a:buFont typeface="Arial" panose="020B0604020202020204" pitchFamily="34" charset="0"/>
+              <a:buChar char="•"/>
+            </a:pPr>
+            <a:r>
+              <a:rPr lang="en-US" sz="2000" dirty="0">
+                <a:solidFill>
+                  <a:schemeClr val="bg1"/>
+                </a:solidFill>
+                <a:latin typeface="Raleway Medium" panose="020B0603030101060003" pitchFamily="34" charset="77"/>
+              </a:rPr>
+              <a:t>This is the stock Elasticsearch image from Docker Hub. It stores products to make them searchable. The product sync service populates it with products from the product service.</a:t>
+            </a:r>
+          </a:p>
+          <a:p>
+            <a:pPr marL="342900" indent="-342900">
+              <a:buFont typeface="Arial" panose="020B0604020202020204" pitchFamily="34" charset="0"/>
+              <a:buChar char="•"/>
+            </a:pPr>
+            <a:r>
+              <a:rPr lang="en-US" sz="2000" dirty="0">
+                <a:solidFill>
+                  <a:schemeClr val="bg1"/>
+                </a:solidFill>
+                <a:latin typeface="Raleway Medium" panose="020B0603030101060003" pitchFamily="34" charset="77"/>
+              </a:rPr>
+              <a:t>The application listens on port 9200</a:t>
+            </a:r>
+          </a:p>
+          <a:p>
+            <a:pPr marL="342900" indent="-342900">
+              <a:buFont typeface="Arial" panose="020B0604020202020204" pitchFamily="34" charset="0"/>
+              <a:buChar char="•"/>
+            </a:pPr>
+            <a:r>
+              <a:rPr lang="en-US" sz="2000" dirty="0">
+                <a:solidFill>
+                  <a:schemeClr val="bg1"/>
+                </a:solidFill>
+                <a:latin typeface="Raleway Medium" panose="020B0603030101060003" pitchFamily="34" charset="77"/>
+              </a:rPr>
+              <a:t>Docker image: elasticsearch:7.12.0 or </a:t>
+            </a:r>
+            <a:r>
+              <a:rPr lang="en-US" sz="2000" dirty="0" err="1">
+                <a:solidFill>
+                  <a:schemeClr val="bg1"/>
+                </a:solidFill>
+                <a:latin typeface="Raleway Medium" panose="020B0603030101060003" pitchFamily="34" charset="77"/>
+              </a:rPr>
+              <a:t>public.ecr.aws</a:t>
+            </a:r>
+            <a:r>
+              <a:rPr lang="en-US" sz="2000" dirty="0">
+                <a:solidFill>
+                  <a:schemeClr val="bg1"/>
+                </a:solidFill>
+                <a:latin typeface="Raleway Medium" panose="020B0603030101060003" pitchFamily="34" charset="77"/>
+              </a:rPr>
+              <a:t>/</a:t>
+            </a:r>
+            <a:r>
+              <a:rPr lang="en-US" sz="2000" dirty="0" err="1">
+                <a:solidFill>
+                  <a:schemeClr val="bg1"/>
+                </a:solidFill>
+                <a:latin typeface="Raleway Medium" panose="020B0603030101060003" pitchFamily="34" charset="77"/>
+              </a:rPr>
+              <a:t>vergeops</a:t>
+            </a:r>
+            <a:r>
+              <a:rPr lang="en-US" sz="2000" dirty="0">
+                <a:solidFill>
+                  <a:schemeClr val="bg1"/>
+                </a:solidFill>
+                <a:latin typeface="Raleway Medium" panose="020B0603030101060003" pitchFamily="34" charset="77"/>
+              </a:rPr>
+              <a:t>/</a:t>
+            </a:r>
+            <a:r>
+              <a:rPr lang="en-US" sz="2000" dirty="0" err="1">
+                <a:solidFill>
+                  <a:schemeClr val="bg1"/>
+                </a:solidFill>
+                <a:latin typeface="Raleway Medium" panose="020B0603030101060003" pitchFamily="34" charset="77"/>
+              </a:rPr>
+              <a:t>rvstore-elasticsearch:latest</a:t>
+            </a:r>
+            <a:endParaRPr lang="en-US" sz="2000" dirty="0">
+              <a:solidFill>
+                <a:schemeClr val="bg1"/>
+              </a:solidFill>
+              <a:latin typeface="Raleway Medium" panose="020B0603030101060003" pitchFamily="34" charset="77"/>
+            </a:endParaRPr>
+          </a:p>
+          <a:p>
+            <a:pPr marL="342900" indent="-342900">
+              <a:buFont typeface="Arial" panose="020B0604020202020204" pitchFamily="34" charset="0"/>
+              <a:buChar char="•"/>
+            </a:pPr>
+            <a:r>
+              <a:rPr lang="en-US" sz="2000" dirty="0">
+                <a:solidFill>
+                  <a:schemeClr val="bg1"/>
+                </a:solidFill>
+                <a:latin typeface="Raleway Medium" panose="020B0603030101060003" pitchFamily="34" charset="77"/>
+              </a:rPr>
+              <a:t>Environment variables:</a:t>
+            </a:r>
+          </a:p>
+          <a:p>
+            <a:pPr marL="800100" lvl="1" indent="-342900">
+              <a:buFont typeface="Arial" panose="020B0604020202020204" pitchFamily="34" charset="0"/>
+              <a:buChar char="•"/>
+            </a:pPr>
+            <a:r>
+              <a:rPr lang="en-US" sz="2000" dirty="0" err="1">
+                <a:solidFill>
+                  <a:schemeClr val="bg1"/>
+                </a:solidFill>
+                <a:latin typeface="Raleway Medium" panose="020B0603030101060003" pitchFamily="34" charset="77"/>
+              </a:rPr>
+              <a:t>discovery.type</a:t>
+            </a:r>
+            <a:r>
+              <a:rPr lang="en-US" sz="2000" dirty="0">
+                <a:solidFill>
+                  <a:schemeClr val="bg1"/>
+                </a:solidFill>
+                <a:latin typeface="Raleway Medium" panose="020B0603030101060003" pitchFamily="34" charset="77"/>
+              </a:rPr>
+              <a:t>=single-node</a:t>
+            </a:r>
+          </a:p>
+          <a:p>
+            <a:pPr marL="800100" lvl="1" indent="-342900">
+              <a:buFont typeface="Arial" panose="020B0604020202020204" pitchFamily="34" charset="0"/>
+              <a:buChar char="•"/>
+            </a:pPr>
+            <a:r>
+              <a:rPr lang="en-US" sz="2000" dirty="0">
+                <a:solidFill>
+                  <a:schemeClr val="bg1"/>
+                </a:solidFill>
+                <a:latin typeface="Raleway Medium" panose="020B0603030101060003" pitchFamily="34" charset="77"/>
+              </a:rPr>
+              <a:t>ES_JAVA_OPTS=-Xms256m -Xmx256m</a:t>
+            </a:r>
+          </a:p>
+          <a:p>
+            <a:pPr marL="800100" lvl="1" indent="-342900">
+              <a:buFont typeface="Arial" panose="020B0604020202020204" pitchFamily="34" charset="0"/>
+              <a:buChar char="•"/>
+            </a:pPr>
+            <a:r>
+              <a:rPr lang="en-US" sz="2000" dirty="0" err="1">
+                <a:solidFill>
+                  <a:schemeClr val="bg1"/>
+                </a:solidFill>
+                <a:latin typeface="Raleway Medium" panose="020B0603030101060003" pitchFamily="34" charset="77"/>
+              </a:rPr>
+              <a:t>http.cors.allow</a:t>
+            </a:r>
+            <a:r>
+              <a:rPr lang="en-US" sz="2000" dirty="0">
+                <a:solidFill>
+                  <a:schemeClr val="bg1"/>
+                </a:solidFill>
+                <a:latin typeface="Raleway Medium" panose="020B0603030101060003" pitchFamily="34" charset="77"/>
+              </a:rPr>
+              <a:t>-origin="*”</a:t>
+            </a:r>
+          </a:p>
+          <a:p>
+            <a:pPr marL="800100" lvl="1" indent="-342900">
+              <a:buFont typeface="Arial" panose="020B0604020202020204" pitchFamily="34" charset="0"/>
+              <a:buChar char="•"/>
+            </a:pPr>
+            <a:r>
+              <a:rPr lang="en-US" sz="2000" dirty="0" err="1">
+                <a:solidFill>
+                  <a:schemeClr val="bg1"/>
+                </a:solidFill>
+                <a:latin typeface="Raleway Medium" panose="020B0603030101060003" pitchFamily="34" charset="77"/>
+              </a:rPr>
+              <a:t>http.cors.enabled</a:t>
+            </a:r>
+            <a:r>
+              <a:rPr lang="en-US" sz="2000" dirty="0">
+                <a:solidFill>
+                  <a:schemeClr val="bg1"/>
+                </a:solidFill>
+                <a:latin typeface="Raleway Medium" panose="020B0603030101060003" pitchFamily="34" charset="77"/>
+              </a:rPr>
+              <a:t>=“true”</a:t>
+            </a:r>
+          </a:p>
+          <a:p>
+            <a:pPr marL="800100" lvl="1" indent="-342900">
+              <a:buFont typeface="Arial" panose="020B0604020202020204" pitchFamily="34" charset="0"/>
+              <a:buChar char="•"/>
+            </a:pPr>
+            <a:r>
+              <a:rPr lang="en-US" sz="2000" dirty="0" err="1">
+                <a:solidFill>
+                  <a:schemeClr val="bg1"/>
+                </a:solidFill>
+                <a:latin typeface="Raleway Medium" panose="020B0603030101060003" pitchFamily="34" charset="77"/>
+              </a:rPr>
+              <a:t>http.cors.allow</a:t>
+            </a:r>
+            <a:r>
+              <a:rPr lang="en-US" sz="2000" dirty="0">
+                <a:solidFill>
+                  <a:schemeClr val="bg1"/>
+                </a:solidFill>
+                <a:latin typeface="Raleway Medium" panose="020B0603030101060003" pitchFamily="34" charset="77"/>
+              </a:rPr>
+              <a:t>-headers=X-Requested-With,X-Auth-Token,Content-Type,Content-Length,Authorization</a:t>
+            </a:r>
+          </a:p>
+          <a:p>
+            <a:pPr marL="800100" lvl="1" indent="-342900">
+              <a:buFont typeface="Arial" panose="020B0604020202020204" pitchFamily="34" charset="0"/>
+              <a:buChar char="•"/>
+            </a:pPr>
+            <a:r>
+              <a:rPr lang="en-US" sz="2000" dirty="0" err="1">
+                <a:solidFill>
+                  <a:schemeClr val="bg1"/>
+                </a:solidFill>
+                <a:latin typeface="Raleway Medium" panose="020B0603030101060003" pitchFamily="34" charset="77"/>
+              </a:rPr>
+              <a:t>http.cors.allow</a:t>
+            </a:r>
+            <a:r>
+              <a:rPr lang="en-US" sz="2000" dirty="0">
+                <a:solidFill>
+                  <a:schemeClr val="bg1"/>
+                </a:solidFill>
+                <a:latin typeface="Raleway Medium" panose="020B0603030101060003" pitchFamily="34" charset="77"/>
+              </a:rPr>
+              <a:t>-credentials="true"</a:t>
+            </a:r>
+          </a:p>
+        </p:txBody>
+      </p:sp>
+      <p:sp>
+        <p:nvSpPr>
+          <p:cNvPr id="12" name="Title 1">
+            <a:extLst>
+              <a:ext uri="{FF2B5EF4-FFF2-40B4-BE49-F238E27FC236}">
+                <a16:creationId xmlns:a16="http://schemas.microsoft.com/office/drawing/2014/main" id="{0124313A-91DC-3240-9A34-921CC845B19A}"/>
+              </a:ext>
+            </a:extLst>
+          </p:cNvPr>
+          <p:cNvSpPr>
+            <a:spLocks noGrp="1"/>
+          </p:cNvSpPr>
+          <p:nvPr>
+            <p:ph type="title"/>
+          </p:nvPr>
+        </p:nvSpPr>
+        <p:spPr>
+          <a:xfrm>
+            <a:off x="650450" y="369988"/>
+            <a:ext cx="10742974" cy="609600"/>
+          </a:xfrm>
+        </p:spPr>
+        <p:txBody>
+          <a:bodyPr>
+            <a:noAutofit/>
+          </a:bodyPr>
+          <a:lstStyle/>
+          <a:p>
+            <a:pPr algn="l"/>
+            <a:r>
+              <a:rPr lang="en-US" sz="6000" dirty="0" err="1">
+                <a:solidFill>
+                  <a:prstClr val="white"/>
+                </a:solidFill>
+              </a:rPr>
+              <a:t>Rv</a:t>
+            </a:r>
+            <a:r>
+              <a:rPr lang="en-US" sz="6000" dirty="0">
+                <a:solidFill>
+                  <a:prstClr val="white"/>
+                </a:solidFill>
+              </a:rPr>
+              <a:t> store – </a:t>
+            </a:r>
+            <a:r>
+              <a:rPr lang="en-US" sz="6000" dirty="0" err="1">
+                <a:solidFill>
+                  <a:schemeClr val="accent3"/>
+                </a:solidFill>
+              </a:rPr>
+              <a:t>elasticsearch</a:t>
+            </a:r>
+            <a:endParaRPr lang="en-US" sz="6000" dirty="0"/>
+          </a:p>
+        </p:txBody>
+      </p:sp>
+    </p:spTree>
+    <p:extLst>
+      <p:ext uri="{BB962C8B-B14F-4D97-AF65-F5344CB8AC3E}">
+        <p14:creationId xmlns:p14="http://schemas.microsoft.com/office/powerpoint/2010/main" val="3005429573"/>
+      </p:ext>
+    </p:extLst>
+  </p:cSld>
+  <p:clrMapOvr>
+    <a:masterClrMapping/>
+  </p:clrMapOvr>
+  <p:transition spd="slow">
+    <p:wipe/>
+  </p:transition>
+  <p:timing>
+    <p:tnLst>
+      <p:par>
+        <p:cTn id="1" dur="indefinite" restart="never" nodeType="tmRoot">
+          <p:childTnLst>
+            <p:seq concurrent="1" nextAc="seek">
+              <p:cTn id="2" dur="indefinite" nodeType="mainSeq">
+                <p:childTnLst>
+                  <p:par>
+                    <p:cTn id="3" fill="hold">
+                      <p:stCondLst>
+                        <p:cond delay="indefinite"/>
+                        <p:cond evt="onBegin" delay="0">
+                          <p:tn val="2"/>
+                        </p:cond>
+                      </p:stCondLst>
+                      <p:childTnLst>
+                        <p:par>
+                          <p:cTn id="4" fill="hold">
+                            <p:stCondLst>
+                              <p:cond delay="0"/>
+                            </p:stCondLst>
+                            <p:childTnLst>
+                              <p:par>
+                                <p:cTn id="5" presetID="2" presetClass="entr" presetSubtype="4" fill="hold" grpId="0" nodeType="afterEffect">
+                                  <p:stCondLst>
+                                    <p:cond delay="0"/>
+                                  </p:stCondLst>
+                                  <p:childTnLst>
+                                    <p:set>
+                                      <p:cBhvr>
+                                        <p:cTn id="6" dur="1" fill="hold">
+                                          <p:stCondLst>
+                                            <p:cond delay="0"/>
+                                          </p:stCondLst>
+                                        </p:cTn>
+                                        <p:tgtEl>
+                                          <p:spTgt spid="12"/>
+                                        </p:tgtEl>
+                                        <p:attrNameLst>
+                                          <p:attrName>style.visibility</p:attrName>
+                                        </p:attrNameLst>
+                                      </p:cBhvr>
+                                      <p:to>
+                                        <p:strVal val="visible"/>
+                                      </p:to>
+                                    </p:set>
+                                    <p:anim calcmode="lin" valueType="num">
+                                      <p:cBhvr additive="base">
+                                        <p:cTn id="7" dur="500" fill="hold"/>
+                                        <p:tgtEl>
+                                          <p:spTgt spid="12"/>
+                                        </p:tgtEl>
+                                        <p:attrNameLst>
+                                          <p:attrName>ppt_x</p:attrName>
+                                        </p:attrNameLst>
+                                      </p:cBhvr>
+                                      <p:tavLst>
+                                        <p:tav tm="0">
+                                          <p:val>
+                                            <p:strVal val="#ppt_x"/>
+                                          </p:val>
+                                        </p:tav>
+                                        <p:tav tm="100000">
+                                          <p:val>
+                                            <p:strVal val="#ppt_x"/>
+                                          </p:val>
+                                        </p:tav>
+                                      </p:tavLst>
+                                    </p:anim>
+                                    <p:anim calcmode="lin" valueType="num">
+                                      <p:cBhvr additive="base">
+                                        <p:cTn id="8" dur="500" fill="hold"/>
+                                        <p:tgtEl>
+                                          <p:spTgt spid="12"/>
+                                        </p:tgtEl>
+                                        <p:attrNameLst>
+                                          <p:attrName>ppt_y</p:attrName>
+                                        </p:attrNameLst>
+                                      </p:cBhvr>
+                                      <p:tavLst>
+                                        <p:tav tm="0">
+                                          <p:val>
+                                            <p:strVal val="1+#ppt_h/2"/>
+                                          </p:val>
+                                        </p:tav>
+                                        <p:tav tm="100000">
+                                          <p:val>
+                                            <p:strVal val="#ppt_y"/>
+                                          </p:val>
+                                        </p:tav>
+                                      </p:tavLst>
+                                    </p:anim>
+                                  </p:childTnLst>
+                                </p:cTn>
+                              </p:par>
+                            </p:childTnLst>
+                          </p:cTn>
+                        </p:par>
+                      </p:childTnLst>
+                    </p:cTn>
+                  </p:par>
+                </p:childTnLst>
+              </p:cTn>
+              <p:prevCondLst>
+                <p:cond evt="onPrev" delay="0">
+                  <p:tgtEl>
+                    <p:sldTgt/>
+                  </p:tgtEl>
+                </p:cond>
+              </p:prevCondLst>
+              <p:nextCondLst>
+                <p:cond evt="onNext" delay="0">
+                  <p:tgtEl>
+                    <p:sldTgt/>
+                  </p:tgtEl>
+                </p:cond>
+              </p:nextCondLst>
+            </p:seq>
+          </p:childTnLst>
+        </p:cTn>
+      </p:par>
+    </p:tnLst>
+    <p:bldLst>
+      <p:bldP spid="12" grpId="0"/>
+    </p:bldLst>
+  </p:timing>
+</p:sld>
+</file>
+
+<file path=ppt/slides/slide14.xml><?xml version="1.0" encoding="utf-8"?>
+<p:sld xmlns:a="http://schemas.openxmlformats.org/drawingml/2006/main" xmlns:r="http://schemas.openxmlformats.org/officeDocument/2006/relationships" xmlns:p="http://schemas.openxmlformats.org/presentationml/2006/main">
+  <p:cSld>
+    <p:spTree>
+      <p:nvGrpSpPr>
+        <p:cNvPr id="1" name=""/>
+        <p:cNvGrpSpPr/>
+        <p:nvPr/>
+      </p:nvGrpSpPr>
+      <p:grpSpPr>
+        <a:xfrm>
+          <a:off x="0" y="0"/>
+          <a:ext cx="0" cy="0"/>
+          <a:chOff x="0" y="0"/>
+          <a:chExt cx="0" cy="0"/>
+        </a:xfrm>
+      </p:grpSpPr>
+      <p:pic>
+        <p:nvPicPr>
+          <p:cNvPr id="20" name="Picture 19" descr="https://images.unsplash.com/reserve/NV0eHnNkQDHA21GC3BAJ_Paris%20Louvr.jpg?ixlib=rb-0.3.5&amp;q=80&amp;fm=jpg&amp;w=1080&amp;fit=max&amp;s=4c69a58895596b711a6d5b59a53b1dc5"/>
+          <p:cNvPicPr>
+            <a:picLocks noChangeAspect="1" noChangeArrowheads="1"/>
+          </p:cNvPicPr>
+          <p:nvPr/>
+        </p:nvPicPr>
+        <p:blipFill>
+          <a:blip r:embed="rId2">
+            <a:duotone>
+              <a:prstClr val="black"/>
+              <a:schemeClr val="accent1">
+                <a:tint val="45000"/>
+                <a:satMod val="400000"/>
+              </a:schemeClr>
+            </a:duotone>
+            <a:extLst>
+              <a:ext uri="{28A0092B-C50C-407E-A947-70E740481C1C}">
+                <a14:useLocalDpi xmlns:a14="http://schemas.microsoft.com/office/drawing/2010/main" val="0"/>
+              </a:ext>
+            </a:extLst>
+          </a:blip>
+          <a:srcRect l="127" b="15625"/>
+          <a:stretch>
+            <a:fillRect/>
+          </a:stretch>
+        </p:blipFill>
+        <p:spPr bwMode="auto">
+          <a:xfrm>
+            <a:off x="0" y="7826"/>
+            <a:ext cx="12176562" cy="6858000"/>
+          </a:xfrm>
+          <a:custGeom>
+            <a:avLst/>
+            <a:gdLst>
+              <a:gd name="connsiteX0" fmla="*/ 0 w 12176562"/>
+              <a:gd name="connsiteY0" fmla="*/ 0 h 6858000"/>
+              <a:gd name="connsiteX1" fmla="*/ 12176562 w 12176562"/>
+              <a:gd name="connsiteY1" fmla="*/ 0 h 6858000"/>
+              <a:gd name="connsiteX2" fmla="*/ 12176562 w 12176562"/>
+              <a:gd name="connsiteY2" fmla="*/ 6858000 h 6858000"/>
+              <a:gd name="connsiteX3" fmla="*/ 0 w 12176562"/>
+              <a:gd name="connsiteY3" fmla="*/ 6858000 h 6858000"/>
+            </a:gdLst>
+            <a:ahLst/>
+            <a:cxnLst>
+              <a:cxn ang="0">
+                <a:pos x="connsiteX0" y="connsiteY0"/>
+              </a:cxn>
+              <a:cxn ang="0">
+                <a:pos x="connsiteX1" y="connsiteY1"/>
+              </a:cxn>
+              <a:cxn ang="0">
+                <a:pos x="connsiteX2" y="connsiteY2"/>
+              </a:cxn>
+              <a:cxn ang="0">
+                <a:pos x="connsiteX3" y="connsiteY3"/>
+              </a:cxn>
+            </a:cxnLst>
+            <a:rect l="l" t="t" r="r" b="b"/>
+            <a:pathLst>
+              <a:path w="12176562" h="6858000">
+                <a:moveTo>
+                  <a:pt x="0" y="0"/>
+                </a:moveTo>
+                <a:lnTo>
+                  <a:pt x="12176562" y="0"/>
+                </a:lnTo>
+                <a:lnTo>
+                  <a:pt x="12176562" y="6858000"/>
+                </a:lnTo>
+                <a:lnTo>
+                  <a:pt x="0" y="6858000"/>
+                </a:lnTo>
+                <a:close/>
+              </a:path>
+            </a:pathLst>
+          </a:custGeom>
+          <a:noFill/>
+          <a:extLst>
+            <a:ext uri="{909E8E84-426E-40DD-AFC4-6F175D3DCCD1}">
+              <a14:hiddenFill xmlns:a14="http://schemas.microsoft.com/office/drawing/2010/main">
+                <a:solidFill>
+                  <a:srgbClr val="FFFFFF"/>
+                </a:solidFill>
+              </a14:hiddenFill>
+            </a:ext>
+          </a:extLst>
+        </p:spPr>
+      </p:pic>
+      <p:sp>
+        <p:nvSpPr>
+          <p:cNvPr id="18" name="Rectangle 17"/>
+          <p:cNvSpPr/>
+          <p:nvPr/>
+        </p:nvSpPr>
+        <p:spPr>
+          <a:xfrm>
+            <a:off x="0" y="0"/>
+            <a:ext cx="12192000" cy="6858000"/>
+          </a:xfrm>
+          <a:prstGeom prst="rect">
+            <a:avLst/>
+          </a:prstGeom>
+          <a:solidFill>
+            <a:schemeClr val="tx1">
+              <a:alpha val="55000"/>
+            </a:schemeClr>
+          </a:solidFill>
+          <a:ln>
+            <a:noFill/>
+          </a:ln>
+        </p:spPr>
+        <p:style>
+          <a:lnRef idx="1">
+            <a:schemeClr val="accent1"/>
+          </a:lnRef>
+          <a:fillRef idx="3">
+            <a:schemeClr val="accent1"/>
+          </a:fillRef>
+          <a:effectRef idx="2">
+            <a:schemeClr val="accent1"/>
+          </a:effectRef>
+          <a:fontRef idx="minor">
+            <a:schemeClr val="lt1"/>
+          </a:fontRef>
+        </p:style>
+        <p:txBody>
+          <a:bodyPr rtlCol="0" anchor="ctr"/>
+          <a:lstStyle/>
+          <a:p>
+            <a:pPr algn="ctr" defTabSz="457200"/>
+            <a:endParaRPr lang="en-US" dirty="0">
+              <a:solidFill>
+                <a:prstClr val="white"/>
+              </a:solidFill>
+            </a:endParaRPr>
+          </a:p>
+        </p:txBody>
+      </p:sp>
+      <p:sp>
+        <p:nvSpPr>
+          <p:cNvPr id="4" name="TextBox 3">
+            <a:extLst>
+              <a:ext uri="{FF2B5EF4-FFF2-40B4-BE49-F238E27FC236}">
+                <a16:creationId xmlns:a16="http://schemas.microsoft.com/office/drawing/2014/main" id="{2155A478-4583-2147-AD91-499CD48BC61C}"/>
+              </a:ext>
+            </a:extLst>
+          </p:cNvPr>
+          <p:cNvSpPr txBox="1"/>
+          <p:nvPr/>
+        </p:nvSpPr>
+        <p:spPr>
+          <a:xfrm>
+            <a:off x="1311897" y="1168924"/>
+            <a:ext cx="9398524" cy="3416320"/>
+          </a:xfrm>
+          <a:prstGeom prst="rect">
+            <a:avLst/>
+          </a:prstGeom>
+          <a:noFill/>
+        </p:spPr>
+        <p:txBody>
+          <a:bodyPr wrap="square" rtlCol="0">
+            <a:spAutoFit/>
+          </a:bodyPr>
+          <a:lstStyle/>
+          <a:p>
+            <a:pPr marL="342900" indent="-342900">
+              <a:buFont typeface="Arial" panose="020B0604020202020204" pitchFamily="34" charset="0"/>
+              <a:buChar char="•"/>
+            </a:pPr>
+            <a:r>
+              <a:rPr lang="en-US" sz="2400" dirty="0">
+                <a:solidFill>
+                  <a:schemeClr val="bg1"/>
+                </a:solidFill>
+                <a:latin typeface="Raleway Medium" panose="020B0603030101060003" pitchFamily="34" charset="77"/>
+              </a:rPr>
+              <a:t>This is a Python application. It reads the products from the product service and pushes them to Elasticsearch</a:t>
+            </a:r>
+          </a:p>
+          <a:p>
+            <a:pPr marL="342900" indent="-342900">
+              <a:buFont typeface="Arial" panose="020B0604020202020204" pitchFamily="34" charset="0"/>
+              <a:buChar char="•"/>
+            </a:pPr>
+            <a:r>
+              <a:rPr lang="en-US" sz="2400" dirty="0">
+                <a:solidFill>
+                  <a:schemeClr val="bg1"/>
+                </a:solidFill>
+                <a:latin typeface="Raleway Medium" panose="020B0603030101060003" pitchFamily="34" charset="77"/>
+              </a:rPr>
+              <a:t>The application does not listen on a port</a:t>
+            </a:r>
+          </a:p>
+          <a:p>
+            <a:pPr marL="342900" indent="-342900">
+              <a:buFont typeface="Arial" panose="020B0604020202020204" pitchFamily="34" charset="0"/>
+              <a:buChar char="•"/>
+            </a:pPr>
+            <a:r>
+              <a:rPr lang="en-US" sz="2400" dirty="0">
+                <a:solidFill>
+                  <a:schemeClr val="bg1"/>
+                </a:solidFill>
+                <a:latin typeface="Raleway Medium" panose="020B0603030101060003" pitchFamily="34" charset="77"/>
+              </a:rPr>
+              <a:t>The application runs on a schedule.</a:t>
+            </a:r>
+          </a:p>
+          <a:p>
+            <a:pPr marL="342900" indent="-342900">
+              <a:buFont typeface="Arial" panose="020B0604020202020204" pitchFamily="34" charset="0"/>
+              <a:buChar char="•"/>
+            </a:pPr>
+            <a:r>
+              <a:rPr lang="en-US" sz="2400" dirty="0">
+                <a:solidFill>
+                  <a:schemeClr val="bg1"/>
+                </a:solidFill>
+                <a:latin typeface="Raleway Medium" panose="020B0603030101060003" pitchFamily="34" charset="77"/>
+              </a:rPr>
+              <a:t>It communicates with the product service at: http://rvstore-product-api:9001 and the Elasticsearch service at http://elasticsearch:9200.</a:t>
+            </a:r>
+          </a:p>
+          <a:p>
+            <a:pPr marL="342900" indent="-342900">
+              <a:buFont typeface="Arial" panose="020B0604020202020204" pitchFamily="34" charset="0"/>
+              <a:buChar char="•"/>
+            </a:pPr>
+            <a:r>
+              <a:rPr lang="en-US" sz="2400" dirty="0">
+                <a:solidFill>
+                  <a:schemeClr val="bg1"/>
+                </a:solidFill>
+                <a:latin typeface="Raleway Medium" panose="020B0603030101060003" pitchFamily="34" charset="77"/>
+              </a:rPr>
+              <a:t>Docker image: </a:t>
+            </a:r>
+            <a:r>
+              <a:rPr lang="en-US" sz="2400" dirty="0" err="1">
+                <a:solidFill>
+                  <a:schemeClr val="bg1"/>
+                </a:solidFill>
+                <a:latin typeface="Raleway Medium" panose="020B0603030101060003" pitchFamily="34" charset="77"/>
+              </a:rPr>
+              <a:t>public.ecr.aws</a:t>
+            </a:r>
+            <a:r>
+              <a:rPr lang="en-US" sz="2400" dirty="0">
+                <a:solidFill>
+                  <a:schemeClr val="bg1"/>
+                </a:solidFill>
+                <a:latin typeface="Raleway Medium" panose="020B0603030101060003" pitchFamily="34" charset="77"/>
+              </a:rPr>
+              <a:t>/</a:t>
+            </a:r>
+            <a:r>
+              <a:rPr lang="en-US" sz="2400" dirty="0" err="1">
+                <a:solidFill>
+                  <a:schemeClr val="bg1"/>
+                </a:solidFill>
+                <a:latin typeface="Raleway Medium" panose="020B0603030101060003" pitchFamily="34" charset="77"/>
+              </a:rPr>
+              <a:t>vergeops</a:t>
+            </a:r>
+            <a:r>
+              <a:rPr lang="en-US" sz="2400" dirty="0">
+                <a:solidFill>
+                  <a:schemeClr val="bg1"/>
+                </a:solidFill>
+                <a:latin typeface="Raleway Medium" panose="020B0603030101060003" pitchFamily="34" charset="77"/>
+              </a:rPr>
+              <a:t>/</a:t>
+            </a:r>
+            <a:r>
+              <a:rPr lang="en-US" sz="2400" dirty="0" err="1">
+                <a:solidFill>
+                  <a:schemeClr val="bg1"/>
+                </a:solidFill>
+                <a:latin typeface="Raleway Medium" panose="020B0603030101060003" pitchFamily="34" charset="77"/>
+              </a:rPr>
+              <a:t>rvstore</a:t>
+            </a:r>
+            <a:r>
+              <a:rPr lang="en-US" sz="2400" dirty="0">
+                <a:solidFill>
+                  <a:schemeClr val="bg1"/>
+                </a:solidFill>
+                <a:latin typeface="Raleway Medium" panose="020B0603030101060003" pitchFamily="34" charset="77"/>
+              </a:rPr>
+              <a:t>-product-sync</a:t>
+            </a:r>
+          </a:p>
+        </p:txBody>
+      </p:sp>
+      <p:sp>
+        <p:nvSpPr>
+          <p:cNvPr id="12" name="Title 1">
+            <a:extLst>
+              <a:ext uri="{FF2B5EF4-FFF2-40B4-BE49-F238E27FC236}">
+                <a16:creationId xmlns:a16="http://schemas.microsoft.com/office/drawing/2014/main" id="{0124313A-91DC-3240-9A34-921CC845B19A}"/>
+              </a:ext>
+            </a:extLst>
+          </p:cNvPr>
+          <p:cNvSpPr>
+            <a:spLocks noGrp="1"/>
+          </p:cNvSpPr>
+          <p:nvPr>
+            <p:ph type="title"/>
+          </p:nvPr>
+        </p:nvSpPr>
+        <p:spPr>
+          <a:xfrm>
+            <a:off x="650450" y="369988"/>
+            <a:ext cx="10742974" cy="609600"/>
+          </a:xfrm>
+        </p:spPr>
+        <p:txBody>
+          <a:bodyPr>
+            <a:noAutofit/>
+          </a:bodyPr>
+          <a:lstStyle/>
+          <a:p>
+            <a:pPr algn="l"/>
+            <a:r>
+              <a:rPr lang="en-US" sz="6000" dirty="0" err="1">
+                <a:solidFill>
+                  <a:prstClr val="white"/>
+                </a:solidFill>
+              </a:rPr>
+              <a:t>Rv</a:t>
+            </a:r>
+            <a:r>
+              <a:rPr lang="en-US" sz="6000" dirty="0">
+                <a:solidFill>
+                  <a:prstClr val="white"/>
+                </a:solidFill>
+              </a:rPr>
+              <a:t> store – </a:t>
+            </a:r>
+            <a:r>
+              <a:rPr lang="en-US" sz="6000" dirty="0">
+                <a:solidFill>
+                  <a:schemeClr val="accent3"/>
+                </a:solidFill>
+              </a:rPr>
+              <a:t>product sync application</a:t>
+            </a:r>
+            <a:endParaRPr lang="en-US" sz="6000" dirty="0"/>
+          </a:p>
+        </p:txBody>
+      </p:sp>
+    </p:spTree>
+    <p:extLst>
+      <p:ext uri="{BB962C8B-B14F-4D97-AF65-F5344CB8AC3E}">
+        <p14:creationId xmlns:p14="http://schemas.microsoft.com/office/powerpoint/2010/main" val="4208357364"/>
+      </p:ext>
+    </p:extLst>
+  </p:cSld>
+  <p:clrMapOvr>
+    <a:masterClrMapping/>
+  </p:clrMapOvr>
+  <p:transition spd="slow">
+    <p:wipe/>
+  </p:transition>
+  <p:timing>
+    <p:tnLst>
+      <p:par>
+        <p:cTn id="1" dur="indefinite" restart="never" nodeType="tmRoot">
+          <p:childTnLst>
+            <p:seq concurrent="1" nextAc="seek">
+              <p:cTn id="2" dur="indefinite" nodeType="mainSeq">
+                <p:childTnLst>
+                  <p:par>
+                    <p:cTn id="3" fill="hold">
+                      <p:stCondLst>
+                        <p:cond delay="indefinite"/>
+                        <p:cond evt="onBegin" delay="0">
+                          <p:tn val="2"/>
+                        </p:cond>
+                      </p:stCondLst>
+                      <p:childTnLst>
+                        <p:par>
+                          <p:cTn id="4" fill="hold">
+                            <p:stCondLst>
+                              <p:cond delay="0"/>
+                            </p:stCondLst>
+                            <p:childTnLst>
+                              <p:par>
+                                <p:cTn id="5" presetID="2" presetClass="entr" presetSubtype="4" fill="hold" grpId="0" nodeType="afterEffect">
+                                  <p:stCondLst>
+                                    <p:cond delay="0"/>
+                                  </p:stCondLst>
+                                  <p:childTnLst>
+                                    <p:set>
+                                      <p:cBhvr>
+                                        <p:cTn id="6" dur="1" fill="hold">
+                                          <p:stCondLst>
+                                            <p:cond delay="0"/>
+                                          </p:stCondLst>
+                                        </p:cTn>
+                                        <p:tgtEl>
+                                          <p:spTgt spid="12"/>
+                                        </p:tgtEl>
+                                        <p:attrNameLst>
+                                          <p:attrName>style.visibility</p:attrName>
+                                        </p:attrNameLst>
+                                      </p:cBhvr>
+                                      <p:to>
+                                        <p:strVal val="visible"/>
+                                      </p:to>
+                                    </p:set>
+                                    <p:anim calcmode="lin" valueType="num">
+                                      <p:cBhvr additive="base">
+                                        <p:cTn id="7" dur="500" fill="hold"/>
+                                        <p:tgtEl>
+                                          <p:spTgt spid="12"/>
+                                        </p:tgtEl>
+                                        <p:attrNameLst>
+                                          <p:attrName>ppt_x</p:attrName>
+                                        </p:attrNameLst>
+                                      </p:cBhvr>
+                                      <p:tavLst>
+                                        <p:tav tm="0">
+                                          <p:val>
+                                            <p:strVal val="#ppt_x"/>
+                                          </p:val>
+                                        </p:tav>
+                                        <p:tav tm="100000">
+                                          <p:val>
+                                            <p:strVal val="#ppt_x"/>
+                                          </p:val>
+                                        </p:tav>
+                                      </p:tavLst>
+                                    </p:anim>
+                                    <p:anim calcmode="lin" valueType="num">
+                                      <p:cBhvr additive="base">
+                                        <p:cTn id="8" dur="500" fill="hold"/>
+                                        <p:tgtEl>
+                                          <p:spTgt spid="12"/>
+                                        </p:tgtEl>
+                                        <p:attrNameLst>
+                                          <p:attrName>ppt_y</p:attrName>
+                                        </p:attrNameLst>
+                                      </p:cBhvr>
+                                      <p:tavLst>
+                                        <p:tav tm="0">
+                                          <p:val>
+                                            <p:strVal val="1+#ppt_h/2"/>
+                                          </p:val>
+                                        </p:tav>
+                                        <p:tav tm="100000">
+                                          <p:val>
+                                            <p:strVal val="#ppt_y"/>
+                                          </p:val>
+                                        </p:tav>
+                                      </p:tavLst>
+                                    </p:anim>
+                                  </p:childTnLst>
+                                </p:cTn>
+                              </p:par>
+                            </p:childTnLst>
+                          </p:cTn>
+                        </p:par>
+                      </p:childTnLst>
+                    </p:cTn>
+                  </p:par>
+                </p:childTnLst>
+              </p:cTn>
+              <p:prevCondLst>
+                <p:cond evt="onPrev" delay="0">
+                  <p:tgtEl>
+                    <p:sldTgt/>
+                  </p:tgtEl>
+                </p:cond>
+              </p:prevCondLst>
+              <p:nextCondLst>
+                <p:cond evt="onNext" delay="0">
+                  <p:tgtEl>
+                    <p:sldTgt/>
+                  </p:tgtEl>
+                </p:cond>
+              </p:nextCondLst>
+            </p:seq>
+          </p:childTnLst>
+        </p:cTn>
+      </p:par>
+    </p:tnLst>
+    <p:bldLst>
+      <p:bldP spid="12" grpId="0"/>
+    </p:bldLst>
+  </p:timing>
+</p:sld>
+</file>
+
+<file path=ppt/slides/slide15.xml><?xml version="1.0" encoding="utf-8"?>
 <p:sld xmlns:a="http://schemas.openxmlformats.org/drawingml/2006/main" xmlns:r="http://schemas.openxmlformats.org/officeDocument/2006/relationships" xmlns:p="http://schemas.openxmlformats.org/presentationml/2006/main">
   <p:cSld>
     <p:spTree>
@@ -5558,7 +6778,7 @@
         <p:spPr>
           <a:xfrm>
             <a:off x="1311897" y="1168924"/>
-            <a:ext cx="9398524" cy="6001643"/>
+            <a:ext cx="9398524" cy="4708981"/>
           </a:xfrm>
           <a:prstGeom prst="rect">
             <a:avLst/>
@@ -5576,7 +6796,7 @@
               <a:buChar char="•"/>
             </a:pPr>
             <a:r>
-              <a:rPr lang="en-US" sz="2400" dirty="0">
+              <a:rPr lang="en-US" sz="2000" dirty="0">
                 <a:solidFill>
                   <a:schemeClr val="bg1"/>
                 </a:solidFill>
@@ -5591,7 +6811,7 @@
               <a:buChar char="•"/>
             </a:pPr>
             <a:r>
-              <a:rPr lang="en-US" sz="2400" dirty="0">
+              <a:rPr lang="en-US" sz="2000" dirty="0">
                 <a:solidFill>
                   <a:schemeClr val="bg1"/>
                 </a:solidFill>
@@ -5606,7 +6826,7 @@
               <a:buChar char="•"/>
             </a:pPr>
             <a:r>
-              <a:rPr lang="en-US" sz="2400" dirty="0">
+              <a:rPr lang="en-US" sz="2000" dirty="0">
                 <a:solidFill>
                   <a:schemeClr val="bg1"/>
                 </a:solidFill>
@@ -5621,7 +6841,7 @@
               <a:buChar char="•"/>
             </a:pPr>
             <a:r>
-              <a:rPr lang="en-US" sz="2400" dirty="0">
+              <a:rPr lang="en-US" sz="2000" dirty="0">
                 <a:solidFill>
                   <a:schemeClr val="bg1"/>
                 </a:solidFill>
@@ -5636,7 +6856,7 @@
               <a:buChar char="•"/>
             </a:pPr>
             <a:r>
-              <a:rPr lang="en-US" sz="2400" dirty="0">
+              <a:rPr lang="en-US" sz="2000" dirty="0">
                 <a:solidFill>
                   <a:schemeClr val="bg1"/>
                 </a:solidFill>
@@ -5651,7 +6871,7 @@
               <a:buChar char="•"/>
             </a:pPr>
             <a:r>
-              <a:rPr lang="en-US" sz="2400" dirty="0">
+              <a:rPr lang="en-US" sz="2000" dirty="0">
                 <a:solidFill>
                   <a:schemeClr val="bg1"/>
                 </a:solidFill>
@@ -5666,7 +6886,7 @@
               <a:buChar char="•"/>
             </a:pPr>
             <a:r>
-              <a:rPr lang="en-US" sz="2400" dirty="0">
+              <a:rPr lang="en-US" sz="2000" dirty="0">
                 <a:solidFill>
                   <a:schemeClr val="bg1"/>
                 </a:solidFill>
@@ -5681,7 +6901,7 @@
               <a:buChar char="•"/>
             </a:pPr>
             <a:r>
-              <a:rPr lang="en-US" sz="2400" dirty="0">
+              <a:rPr lang="en-US" sz="2000" dirty="0">
                 <a:solidFill>
                   <a:schemeClr val="bg1"/>
                 </a:solidFill>
@@ -5696,13 +6916,43 @@
               <a:buChar char="•"/>
             </a:pPr>
             <a:r>
-              <a:rPr lang="en-US" sz="2400" dirty="0">
+              <a:rPr lang="en-US" sz="2000" dirty="0">
                 <a:solidFill>
                   <a:schemeClr val="bg1"/>
                 </a:solidFill>
                 <a:latin typeface="Raleway Medium" panose="020B0603030101060003" pitchFamily="34" charset="77"/>
               </a:rPr>
               <a:t>Gateway edge service</a:t>
+            </a:r>
+          </a:p>
+          <a:p>
+            <a:pPr marL="800100" lvl="1" indent="-342900">
+              <a:buFont typeface="Arial" panose="020B0604020202020204" pitchFamily="34" charset="0"/>
+              <a:buChar char="•"/>
+            </a:pPr>
+            <a:r>
+              <a:rPr lang="en-US" sz="2000" dirty="0">
+                <a:solidFill>
+                  <a:schemeClr val="bg1"/>
+                </a:solidFill>
+                <a:latin typeface="Raleway Medium" panose="020B0603030101060003" pitchFamily="34" charset="77"/>
+              </a:rPr>
+              <a:t>Product sync service</a:t>
+            </a:r>
+          </a:p>
+          <a:p>
+            <a:pPr marL="800100" lvl="1" indent="-342900">
+              <a:buFont typeface="Arial" panose="020B0604020202020204" pitchFamily="34" charset="0"/>
+              <a:buChar char="•"/>
+            </a:pPr>
+            <a:r>
+              <a:rPr lang="en-US" sz="2000" dirty="0">
+                <a:solidFill>
+                  <a:schemeClr val="bg1"/>
+                </a:solidFill>
+                <a:latin typeface="Raleway Medium" panose="020B0603030101060003" pitchFamily="34" charset="77"/>
+              </a:rPr>
+              <a:t>Product search service (Elasticsearch)</a:t>
             </a:r>
           </a:p>
           <a:p>
@@ -5711,7 +6961,7 @@
               <a:buChar char="•"/>
             </a:pPr>
             <a:r>
-              <a:rPr lang="en-US" sz="2400" dirty="0">
+              <a:rPr lang="en-US" sz="2000" dirty="0">
                 <a:solidFill>
                   <a:schemeClr val="bg1"/>
                 </a:solidFill>
@@ -5720,7 +6970,7 @@
               <a:t>Solutions are provided in the </a:t>
             </a:r>
             <a:r>
-              <a:rPr lang="en-US" sz="2400" dirty="0" err="1">
+              <a:rPr lang="en-US" sz="2000" dirty="0" err="1">
                 <a:solidFill>
                   <a:schemeClr val="bg1"/>
                 </a:solidFill>
@@ -5729,7 +6979,7 @@
               <a:t>Github</a:t>
             </a:r>
             <a:r>
-              <a:rPr lang="en-US" sz="2400" dirty="0">
+              <a:rPr lang="en-US" sz="2000" dirty="0">
                 <a:solidFill>
                   <a:schemeClr val="bg1"/>
                 </a:solidFill>
@@ -5744,7 +6994,7 @@
               <a:buChar char="•"/>
             </a:pPr>
             <a:r>
-              <a:rPr lang="en-US" sz="2400" dirty="0" err="1">
+              <a:rPr lang="en-US" sz="2000" dirty="0" err="1">
                 <a:solidFill>
                   <a:schemeClr val="bg1"/>
                 </a:solidFill>
@@ -5753,7 +7003,7 @@
               <a:t>Github</a:t>
             </a:r>
             <a:r>
-              <a:rPr lang="en-US" sz="2400" dirty="0">
+              <a:rPr lang="en-US" sz="2000" dirty="0">
                 <a:solidFill>
                   <a:schemeClr val="bg1"/>
                 </a:solidFill>
@@ -5762,7 +7012,7 @@
               <a:t> repo is at https://</a:t>
             </a:r>
             <a:r>
-              <a:rPr lang="en-US" sz="2400" dirty="0" err="1">
+              <a:rPr lang="en-US" sz="2000" dirty="0" err="1">
                 <a:solidFill>
                   <a:schemeClr val="bg1"/>
                 </a:solidFill>
@@ -5771,7 +7021,7 @@
               <a:t>www.github.com</a:t>
             </a:r>
             <a:r>
-              <a:rPr lang="en-US" sz="2400" dirty="0">
+              <a:rPr lang="en-US" sz="2000" dirty="0">
                 <a:solidFill>
                   <a:schemeClr val="bg1"/>
                 </a:solidFill>
@@ -5780,7 +7030,7 @@
               <a:t>/</a:t>
             </a:r>
             <a:r>
-              <a:rPr lang="en-US" sz="2400" dirty="0" err="1">
+              <a:rPr lang="en-US" sz="2000" dirty="0" err="1">
                 <a:solidFill>
                   <a:schemeClr val="bg1"/>
                 </a:solidFill>
@@ -5789,7 +7039,7 @@
               <a:t>VergeOps</a:t>
             </a:r>
             <a:r>
-              <a:rPr lang="en-US" sz="2400" dirty="0">
+              <a:rPr lang="en-US" sz="2000" dirty="0">
                 <a:solidFill>
                   <a:schemeClr val="bg1"/>
                 </a:solidFill>
@@ -5797,30 +7047,6 @@
               </a:rPr>
               <a:t>/k8s-rvstore</a:t>
             </a:r>
-          </a:p>
-          <a:p>
-            <a:pPr marL="342900" indent="-342900">
-              <a:buFont typeface="Arial" panose="020B0604020202020204" pitchFamily="34" charset="0"/>
-              <a:buChar char="•"/>
-            </a:pPr>
-            <a:endParaRPr lang="en-US" sz="2400" dirty="0">
-              <a:solidFill>
-                <a:schemeClr val="bg1"/>
-              </a:solidFill>
-              <a:latin typeface="Raleway Medium" panose="020B0603030101060003" pitchFamily="34" charset="77"/>
-            </a:endParaRPr>
-          </a:p>
-          <a:p>
-            <a:pPr marL="285750" indent="-285750">
-              <a:buFont typeface="Arial" panose="020B0604020202020204" pitchFamily="34" charset="0"/>
-              <a:buChar char="•"/>
-            </a:pPr>
-            <a:endParaRPr lang="en-US" sz="2400" dirty="0">
-              <a:solidFill>
-                <a:schemeClr val="bg1"/>
-              </a:solidFill>
-              <a:latin typeface="Raleway Medium" panose="020B0603030101060003" pitchFamily="34" charset="77"/>
-            </a:endParaRPr>
           </a:p>
         </p:txBody>
       </p:sp>
@@ -7490,7 +8716,7 @@
         <p:spPr>
           <a:xfrm>
             <a:off x="1311897" y="1168924"/>
-            <a:ext cx="9398524" cy="7201972"/>
+            <a:ext cx="9398524" cy="5262979"/>
           </a:xfrm>
           <a:prstGeom prst="rect">
             <a:avLst/>
@@ -7580,7 +8806,25 @@
                 </a:solidFill>
                 <a:latin typeface="Raleway Medium" panose="020B0603030101060003" pitchFamily="34" charset="77"/>
               </a:rPr>
-              <a:t>/e7e6w2e3/</a:t>
+              <a:t>/</a:t>
+            </a:r>
+            <a:r>
+              <a:rPr lang="en-US" sz="2400" dirty="0" err="1">
+                <a:solidFill>
+                  <a:schemeClr val="bg1"/>
+                </a:solidFill>
+                <a:latin typeface="Raleway Medium" panose="020B0603030101060003" pitchFamily="34" charset="77"/>
+              </a:rPr>
+              <a:t>vergeops</a:t>
+            </a:r>
+            <a:r>
+              <a:rPr lang="en-US" sz="2400" dirty="0">
+                <a:solidFill>
+                  <a:schemeClr val="bg1"/>
+                </a:solidFill>
+                <a:latin typeface="Raleway Medium" panose="020B0603030101060003" pitchFamily="34" charset="77"/>
+              </a:rPr>
+              <a:t>/</a:t>
             </a:r>
             <a:r>
               <a:rPr lang="en-US" sz="2400" dirty="0" err="1">
@@ -7655,7 +8899,7 @@
                 </a:solidFill>
                 <a:latin typeface="Raleway Medium" panose="020B0603030101060003" pitchFamily="34" charset="77"/>
               </a:rPr>
-              <a:t>&lt;backend&gt;/orders to get order information</a:t>
+              <a:t>&lt;backend&gt;/products/_search to search the Elasticsearch instance</a:t>
             </a:r>
           </a:p>
           <a:p>
@@ -7670,6 +8914,21 @@
                 </a:solidFill>
                 <a:latin typeface="Raleway Medium" panose="020B0603030101060003" pitchFamily="34" charset="77"/>
               </a:rPr>
+              <a:t>&lt;backend&gt;/orders to get order information</a:t>
+            </a:r>
+          </a:p>
+          <a:p>
+            <a:pPr marL="800100" lvl="1" indent="-342900">
+              <a:buFont typeface="Arial" panose="020B0604020202020204" pitchFamily="34" charset="0"/>
+              <a:buChar char="•"/>
+            </a:pPr>
+            <a:r>
+              <a:rPr lang="en-US" sz="2400" dirty="0">
+                <a:solidFill>
+                  <a:schemeClr val="bg1"/>
+                </a:solidFill>
+                <a:latin typeface="Raleway Medium" panose="020B0603030101060003" pitchFamily="34" charset="77"/>
+              </a:rPr>
               <a:t>&lt;backend&gt;/auth to get auth information</a:t>
             </a:r>
           </a:p>
@@ -7687,79 +8946,6 @@
               </a:rPr>
               <a:t>In the UI itself, there is a text box to enter the base URL of the backend gateway service. Note that it must include the trailing slash.</a:t>
             </a:r>
-          </a:p>
-          <a:p>
-            <a:pPr marL="342900" indent="-342900">
-              <a:buFont typeface="Arial" panose="020B0604020202020204" pitchFamily="34" charset="0"/>
-              <a:buChar char="•"/>
-            </a:pPr>
-            <a:endParaRPr lang="en-US" sz="2400" dirty="0">
-              <a:solidFill>
-                <a:schemeClr val="bg1"/>
-              </a:solidFill>
-              <a:latin typeface="Raleway Medium" panose="020B0603030101060003" pitchFamily="34" charset="77"/>
-            </a:endParaRPr>
-          </a:p>
-          <a:p>
-            <a:pPr marL="800100" lvl="1" indent="-342900">
-              <a:buFont typeface="Arial" panose="020B0604020202020204" pitchFamily="34" charset="0"/>
-              <a:buChar char="•"/>
-            </a:pPr>
-            <a:endParaRPr lang="en-US" dirty="0"/>
-          </a:p>
-          <a:p>
-            <a:br>
-              <a:rPr lang="en-US" dirty="0"/>
-            </a:br>
-            <a:endParaRPr lang="en-US" dirty="0"/>
-          </a:p>
-          <a:p>
-            <a:pPr marL="800100" lvl="1" indent="-342900">
-              <a:buFont typeface="Arial" panose="020B0604020202020204" pitchFamily="34" charset="0"/>
-              <a:buChar char="•"/>
-            </a:pPr>
-            <a:endParaRPr lang="en-US" sz="2400" dirty="0">
-              <a:solidFill>
-                <a:schemeClr val="bg1"/>
-              </a:solidFill>
-              <a:latin typeface="Raleway Medium" panose="020B0603030101060003" pitchFamily="34" charset="77"/>
-            </a:endParaRPr>
-          </a:p>
-          <a:p>
-            <a:pPr marL="800100" lvl="1" indent="-342900">
-              <a:buFont typeface="Arial" panose="020B0604020202020204" pitchFamily="34" charset="0"/>
-              <a:buChar char="•"/>
-            </a:pPr>
-            <a:endParaRPr lang="en-US" sz="2400" dirty="0">
-              <a:solidFill>
-                <a:schemeClr val="bg1"/>
-              </a:solidFill>
-              <a:latin typeface="Raleway Medium" panose="020B0603030101060003" pitchFamily="34" charset="77"/>
-            </a:endParaRPr>
-          </a:p>
-          <a:p>
-            <a:pPr marL="342900" indent="-342900">
-              <a:buFont typeface="Arial" panose="020B0604020202020204" pitchFamily="34" charset="0"/>
-              <a:buChar char="•"/>
-            </a:pPr>
-            <a:endParaRPr lang="en-US" sz="2400" dirty="0">
-              <a:solidFill>
-                <a:schemeClr val="bg1"/>
-              </a:solidFill>
-              <a:latin typeface="Raleway Medium" panose="020B0603030101060003" pitchFamily="34" charset="77"/>
-            </a:endParaRPr>
-          </a:p>
-          <a:p>
-            <a:pPr marL="285750" indent="-285750">
-              <a:buFont typeface="Arial" panose="020B0604020202020204" pitchFamily="34" charset="0"/>
-              <a:buChar char="•"/>
-            </a:pPr>
-            <a:endParaRPr lang="en-US" sz="2400" dirty="0">
-              <a:solidFill>
-                <a:schemeClr val="bg1"/>
-              </a:solidFill>
-              <a:latin typeface="Raleway Medium" panose="020B0603030101060003" pitchFamily="34" charset="77"/>
-            </a:endParaRPr>
           </a:p>
         </p:txBody>
       </p:sp>
@@ -8208,7 +9394,25 @@
                 </a:solidFill>
                 <a:latin typeface="Raleway Medium" panose="020B0603030101060003" pitchFamily="34" charset="77"/>
               </a:rPr>
-              <a:t>/e7e6w2e3/</a:t>
+              <a:t>/</a:t>
+            </a:r>
+            <a:r>
+              <a:rPr lang="en-US" sz="2400" dirty="0" err="1">
+                <a:solidFill>
+                  <a:schemeClr val="bg1"/>
+                </a:solidFill>
+                <a:latin typeface="Raleway Medium" panose="020B0603030101060003" pitchFamily="34" charset="77"/>
+              </a:rPr>
+              <a:t>vergeops</a:t>
+            </a:r>
+            <a:r>
+              <a:rPr lang="en-US" sz="2400" dirty="0">
+                <a:solidFill>
+                  <a:schemeClr val="bg1"/>
+                </a:solidFill>
+                <a:latin typeface="Raleway Medium" panose="020B0603030101060003" pitchFamily="34" charset="77"/>
+              </a:rPr>
+              <a:t>/</a:t>
             </a:r>
             <a:r>
               <a:rPr lang="en-US" sz="2400" dirty="0" err="1">
@@ -8807,7 +10011,25 @@
                 </a:solidFill>
                 <a:latin typeface="Raleway Medium" panose="020B0603030101060003" pitchFamily="34" charset="77"/>
               </a:rPr>
-              <a:t>/e7e6w2e3/</a:t>
+              <a:t>/</a:t>
+            </a:r>
+            <a:r>
+              <a:rPr lang="en-US" sz="2400" dirty="0" err="1">
+                <a:solidFill>
+                  <a:schemeClr val="bg1"/>
+                </a:solidFill>
+                <a:latin typeface="Raleway Medium" panose="020B0603030101060003" pitchFamily="34" charset="77"/>
+              </a:rPr>
+              <a:t>vergeops</a:t>
+            </a:r>
+            <a:r>
+              <a:rPr lang="en-US" sz="2400" dirty="0">
+                <a:solidFill>
+                  <a:schemeClr val="bg1"/>
+                </a:solidFill>
+                <a:latin typeface="Raleway Medium" panose="020B0603030101060003" pitchFamily="34" charset="77"/>
+              </a:rPr>
+              <a:t>/</a:t>
             </a:r>
             <a:r>
               <a:rPr lang="en-US" sz="2400" dirty="0" err="1">

--- a/rvstore_hackathon/Docker-RV Store Hackathon.pptx
+++ b/rvstore_hackathon/Docker-RV Store Hackathon.pptx
@@ -5711,7 +5711,25 @@
                 </a:solidFill>
                 <a:latin typeface="Raleway Medium" panose="020B0603030101060003" pitchFamily="34" charset="77"/>
               </a:rPr>
-              <a:t>/e7e6w2e3/</a:t>
+              <a:t>/</a:t>
+            </a:r>
+            <a:r>
+              <a:rPr lang="en-US" sz="2400" dirty="0" err="1">
+                <a:solidFill>
+                  <a:schemeClr val="bg1"/>
+                </a:solidFill>
+                <a:latin typeface="Raleway Medium" panose="020B0603030101060003" pitchFamily="34" charset="77"/>
+              </a:rPr>
+              <a:t>vergeops</a:t>
+            </a:r>
+            <a:r>
+              <a:rPr lang="en-US" sz="2400" dirty="0">
+                <a:solidFill>
+                  <a:schemeClr val="bg1"/>
+                </a:solidFill>
+                <a:latin typeface="Raleway Medium" panose="020B0603030101060003" pitchFamily="34" charset="77"/>
+              </a:rPr>
+              <a:t>/</a:t>
             </a:r>
             <a:r>
               <a:rPr lang="en-US" sz="2400" dirty="0" err="1">

--- a/rvstore_hackathon/Docker-RV Store Hackathon.pptx
+++ b/rvstore_hackathon/Docker-RV Store Hackathon.pptx
@@ -4688,7 +4688,7 @@
                 </a:solidFill>
                 <a:latin typeface="Raleway Medium" panose="020B0603030101060003" pitchFamily="34" charset="77"/>
               </a:rPr>
-              <a:t>-origin="*”</a:t>
+              <a:t>-origin=*</a:t>
             </a:r>
           </a:p>
           <a:p>
@@ -4712,7 +4712,7 @@
                 </a:solidFill>
                 <a:latin typeface="Raleway Medium" panose="020B0603030101060003" pitchFamily="34" charset="77"/>
               </a:rPr>
-              <a:t>=“true”</a:t>
+              <a:t>=true</a:t>
             </a:r>
           </a:p>
           <a:p>
@@ -4760,7 +4760,7 @@
                 </a:solidFill>
                 <a:latin typeface="Raleway Medium" panose="020B0603030101060003" pitchFamily="34" charset="77"/>
               </a:rPr>
-              <a:t>-credentials="true"</a:t>
+              <a:t>-credentials=true</a:t>
             </a:r>
           </a:p>
         </p:txBody>
@@ -9496,7 +9496,7 @@
                 </a:solidFill>
                 <a:latin typeface="Raleway Medium" panose="020B0603030101060003" pitchFamily="34" charset="77"/>
               </a:rPr>
-              <a:t>ENVIRONMENT: “containerized”</a:t>
+              <a:t>ENVIRONMENT: containerized</a:t>
             </a:r>
           </a:p>
           <a:p>
